--- a/lab 6/lab6.pptx
+++ b/lab 6/lab6.pptx
@@ -4579,7 +4579,21 @@
                 <a:latin typeface="Times New Roman" panose="02020603050405020304" pitchFamily="18" charset="0"/>
                 <a:ea typeface="Times New Roman" panose="02020603050405020304" pitchFamily="18" charset="0"/>
               </a:rPr>
-              <a:t>         if (light &lt; 200) {</a:t>
+              <a:t>         if (light </a:t>
+            </a:r>
+            <a:r>
+              <a:rPr lang="en-US">
+                <a:latin typeface="Times New Roman" panose="02020603050405020304" pitchFamily="18" charset="0"/>
+                <a:ea typeface="Times New Roman" panose="02020603050405020304" pitchFamily="18" charset="0"/>
+              </a:rPr>
+              <a:t>&lt; 250</a:t>
+            </a:r>
+            <a:r>
+              <a:rPr lang="en-US" dirty="0">
+                <a:latin typeface="Times New Roman" panose="02020603050405020304" pitchFamily="18" charset="0"/>
+                <a:ea typeface="Times New Roman" panose="02020603050405020304" pitchFamily="18" charset="0"/>
+              </a:rPr>
+              <a:t>) {</a:t>
             </a:r>
           </a:p>
           <a:p>
@@ -4719,7 +4733,7 @@
                 <a:latin typeface="Times New Roman" panose="02020603050405020304" pitchFamily="18" charset="0"/>
                 <a:ea typeface="Times New Roman" panose="02020603050405020304" pitchFamily="18" charset="0"/>
               </a:rPr>
-              <a:t> delay(200);</a:t>
+              <a:t> delay(250);</a:t>
             </a:r>
           </a:p>
           <a:p>
